--- a/tech-talk.pptx
+++ b/tech-talk.pptx
@@ -4074,7 +4074,7 @@
           <a:p>
             <a:r>
               <a:rPr lang="en-US" dirty="0" smtClean="0"/>
-              <a:t>The issue is when all the content is a element (&lt;</a:t>
+              <a:t>The issue is when all the content is floated within an element (&lt;</a:t>
             </a:r>
             <a:r>
               <a:rPr lang="en-US" dirty="0" err="1" smtClean="0"/>
@@ -4082,14 +4082,14 @@
             </a:r>
             <a:r>
               <a:rPr lang="en-US" dirty="0" smtClean="0"/>
-              <a:t>&gt;) is floated that element no longer has an content in it to give it a height</a:t>
+              <a:t>&gt;) it no longer has any content to give it a height.</a:t>
             </a:r>
           </a:p>
           <a:p>
             <a:pPr lvl="1"/>
             <a:r>
               <a:rPr lang="en-US" dirty="0" smtClean="0"/>
-              <a:t>Remember that floated content is no longer part for the flow</a:t>
+              <a:t>Remember that floated content is no longer part of the document flow.</a:t>
             </a:r>
           </a:p>
           <a:p>
@@ -4110,7 +4110,7 @@
             </a:r>
             <a:r>
               <a:rPr lang="en-US" dirty="0" smtClean="0"/>
-              <a:t> height</a:t>
+              <a:t> height.</a:t>
             </a:r>
           </a:p>
           <a:p>
@@ -4144,7 +4144,7 @@
           <a:p>
             <a:r>
               <a:rPr lang="en-US" dirty="0" smtClean="0"/>
-              <a:t>Each has its advantage and disadvantage </a:t>
+              <a:t>Each has its advantages and disadvantages. </a:t>
             </a:r>
             <a:endParaRPr lang="en-US" dirty="0"/>
           </a:p>
@@ -4258,13 +4258,13 @@
           <a:p>
             <a:r>
               <a:rPr lang="en-US" dirty="0" smtClean="0"/>
-              <a:t>It is straight forward</a:t>
-            </a:r>
-          </a:p>
-          <a:p>
-            <a:r>
-              <a:rPr lang="en-US" dirty="0" smtClean="0"/>
-              <a:t>It works</a:t>
+              <a:t>It is straight forward.</a:t>
+            </a:r>
+          </a:p>
+          <a:p>
+            <a:r>
+              <a:rPr lang="en-US" dirty="0" smtClean="0"/>
+              <a:t>It works.</a:t>
             </a:r>
           </a:p>
           <a:p>
@@ -4326,7 +4326,7 @@
           <a:p>
             <a:r>
               <a:rPr lang="en-US" dirty="0" smtClean="0"/>
-              <a:t>Hard to manage</a:t>
+              <a:t>Hard to manage.</a:t>
             </a:r>
           </a:p>
           <a:p>
@@ -4495,13 +4495,7 @@
           <a:p>
             <a:r>
               <a:rPr lang="en-US" dirty="0" smtClean="0"/>
-              <a:t>It is straight forward</a:t>
-            </a:r>
-          </a:p>
-          <a:p>
-            <a:r>
-              <a:rPr lang="en-US" dirty="0" smtClean="0"/>
-              <a:t>It works</a:t>
+              <a:t>It works.</a:t>
             </a:r>
           </a:p>
           <a:p>
@@ -4557,7 +4551,7 @@
           <a:p>
             <a:r>
               <a:rPr lang="en-US" dirty="0" smtClean="0"/>
-              <a:t>z-index issues</a:t>
+              <a:t>z-index issues.</a:t>
             </a:r>
           </a:p>
           <a:p>
@@ -4738,13 +4732,7 @@
           <a:p>
             <a:r>
               <a:rPr lang="en-US" dirty="0" smtClean="0"/>
-              <a:t>It works well</a:t>
-            </a:r>
-          </a:p>
-          <a:p>
-            <a:r>
-              <a:rPr lang="en-US" dirty="0" smtClean="0"/>
-              <a:t>Older browser support</a:t>
+              <a:t>Older browser support.</a:t>
             </a:r>
             <a:endParaRPr lang="en-US" dirty="0"/>
           </a:p>
@@ -4803,7 +4791,7 @@
           <a:p>
             <a:r>
               <a:rPr lang="en-US" dirty="0" smtClean="0"/>
-              <a:t>Hard to remember since there is no real  connection to floats</a:t>
+              <a:t>Hard to remember since there is no real  connection to floats.</a:t>
             </a:r>
           </a:p>
           <a:p>
@@ -4976,12 +4964,6 @@
           <a:p>
             <a:r>
               <a:rPr lang="en-US" dirty="0" smtClean="0"/>
-              <a:t>It works</a:t>
-            </a:r>
-          </a:p>
-          <a:p>
-            <a:r>
-              <a:rPr lang="en-US" dirty="0" smtClean="0"/>
               <a:t>Older browser support</a:t>
             </a:r>
             <a:endParaRPr lang="en-US" dirty="0"/>
@@ -5047,13 +5029,13 @@
           <a:p>
             <a:r>
               <a:rPr lang="en-US" dirty="0" smtClean="0"/>
-              <a:t>Have to change HTML markup</a:t>
-            </a:r>
-          </a:p>
-          <a:p>
-            <a:r>
-              <a:rPr lang="en-US" dirty="0" smtClean="0"/>
-              <a:t>Not a best practice </a:t>
+              <a:t>Have to change HTML markup.</a:t>
+            </a:r>
+          </a:p>
+          <a:p>
+            <a:r>
+              <a:rPr lang="en-US" dirty="0" smtClean="0"/>
+              <a:t>Not a best practice.</a:t>
             </a:r>
             <a:endParaRPr lang="en-US" dirty="0"/>
           </a:p>
@@ -5328,13 +5310,13 @@
           <a:p>
             <a:r>
               <a:rPr lang="en-US" dirty="0" smtClean="0"/>
-              <a:t>No unneeded markup</a:t>
-            </a:r>
-          </a:p>
-          <a:p>
-            <a:r>
-              <a:rPr lang="en-US" dirty="0" smtClean="0"/>
-              <a:t>Makes senses</a:t>
+              <a:t>No unneeded markup.</a:t>
+            </a:r>
+          </a:p>
+          <a:p>
+            <a:r>
+              <a:rPr lang="en-US" dirty="0" smtClean="0"/>
+              <a:t>Makes sense.</a:t>
             </a:r>
           </a:p>
           <a:p>
@@ -5348,13 +5330,13 @@
             </a:r>
             <a:r>
               <a:rPr lang="en-US" dirty="0" smtClean="0"/>
-              <a:t>practices</a:t>
-            </a:r>
-          </a:p>
-          <a:p>
-            <a:r>
-              <a:rPr lang="en-US" dirty="0" smtClean="0"/>
-              <a:t>Easy to retrofit elements</a:t>
+              <a:t>practice.</a:t>
+            </a:r>
+          </a:p>
+          <a:p>
+            <a:r>
+              <a:rPr lang="en-US" dirty="0" smtClean="0"/>
+              <a:t>Easy to retrofit elements.</a:t>
             </a:r>
           </a:p>
           <a:p>
@@ -5565,7 +5547,7 @@
           <a:p>
             <a:r>
               <a:rPr lang="en-US" dirty="0" smtClean="0"/>
-              <a:t>Floats can be used to set up simple fixed layout</a:t>
+              <a:t>Floats can be used to set up simple fixed width layout.</a:t>
             </a:r>
           </a:p>
           <a:p>
@@ -6134,42 +6116,42 @@
           <a:p>
             <a:r>
               <a:rPr lang="en-US" dirty="0" smtClean="0"/>
-              <a:t>There are values of position</a:t>
+              <a:t>Position values:</a:t>
             </a:r>
           </a:p>
           <a:p>
             <a:pPr lvl="1"/>
             <a:r>
               <a:rPr lang="en-US" dirty="0" smtClean="0"/>
-              <a:t>static – default for all element </a:t>
+              <a:t>static – default for all elements.</a:t>
             </a:r>
           </a:p>
           <a:p>
             <a:pPr lvl="2"/>
             <a:r>
               <a:rPr lang="en-US" dirty="0" smtClean="0"/>
-              <a:t>Puts element back in the flow</a:t>
+              <a:t>Puts element back in the flow.</a:t>
             </a:r>
           </a:p>
           <a:p>
             <a:pPr lvl="1"/>
             <a:r>
               <a:rPr lang="en-US" dirty="0" smtClean="0"/>
-              <a:t>relative – pulls the element from the flow and save its dimensions within the view.  </a:t>
+              <a:t>relative – pulls the element from the flow and saves its dimensions within the view.  </a:t>
             </a:r>
           </a:p>
           <a:p>
             <a:pPr lvl="2"/>
             <a:r>
               <a:rPr lang="en-US" dirty="0" smtClean="0"/>
-              <a:t>Element can be moved relative to where the element where in the original flow. </a:t>
+              <a:t>Elements can be moved relative to the original position. </a:t>
             </a:r>
           </a:p>
           <a:p>
             <a:pPr lvl="2"/>
             <a:r>
               <a:rPr lang="en-US" dirty="0" smtClean="0"/>
-              <a:t>A space will be kept as if they element where still in that spot.</a:t>
+              <a:t>A space will be kept as if they element was still in that spot.</a:t>
             </a:r>
           </a:p>
           <a:p>
@@ -6183,14 +6165,14 @@
             <a:pPr lvl="2"/>
             <a:r>
               <a:rPr lang="en-US" dirty="0" smtClean="0"/>
-              <a:t>When the element is moved it is moved from the extreme edge of the parent document. </a:t>
+              <a:t>When the element is moved it is moved to the extreme edge of the parent document. </a:t>
             </a:r>
           </a:p>
           <a:p>
             <a:pPr lvl="2"/>
             <a:r>
               <a:rPr lang="en-US" dirty="0" smtClean="0"/>
-              <a:t>If the parent element is set to position relative that is not the parent document if not then the browser window is the parent document.</a:t>
+              <a:t>If the parent element is set to position relative that is now the parent document.</a:t>
             </a:r>
           </a:p>
           <a:p>
@@ -6584,6 +6566,33 @@
             <a:r>
               <a:rPr lang="en-US" dirty="0" smtClean="0"/>
               <a:t>Fixed Position</a:t>
+            </a:r>
+          </a:p>
+          <a:p>
+            <a:endParaRPr lang="en-US" dirty="0"/>
+          </a:p>
+          <a:p>
+            <a:r>
+              <a:rPr lang="en-US" dirty="0" smtClean="0"/>
+              <a:t>All examples can be found here</a:t>
+            </a:r>
+          </a:p>
+          <a:p>
+            <a:r>
+              <a:rPr lang="en-US" dirty="0">
+                <a:hlinkClick r:id="rId2"/>
+              </a:rPr>
+              <a:t>https://github.com/danhahn/app-</a:t>
+            </a:r>
+            <a:r>
+              <a:rPr lang="en-US" dirty="0" smtClean="0">
+                <a:hlinkClick r:id="rId2"/>
+              </a:rPr>
+              <a:t>talk</a:t>
+            </a:r>
+            <a:r>
+              <a:rPr lang="en-US" dirty="0" smtClean="0"/>
+              <a:t> </a:t>
             </a:r>
           </a:p>
           <a:p>
@@ -6820,7 +6829,7 @@
         </p:nvSpPr>
         <p:spPr>
           <a:xfrm>
-            <a:off x="157757" y="2967855"/>
+            <a:off x="157757" y="2114899"/>
             <a:ext cx="8802850" cy="1107996"/>
           </a:xfrm>
           <a:prstGeom prst="rect">
@@ -6904,41 +6913,40 @@
           <a:p>
             <a:r>
               <a:rPr lang="en-US" dirty="0" smtClean="0"/>
-              <a:t>A floated element will move the extreme right or left.</a:t>
-            </a:r>
-          </a:p>
-          <a:p>
-            <a:r>
-              <a:rPr lang="en-US" dirty="0" smtClean="0"/>
-              <a:t>The content after the floated element with wrap around the element.  If an element is floated to the left the content will wrap to the right.</a:t>
-            </a:r>
-          </a:p>
-          <a:p>
-            <a:r>
-              <a:rPr lang="en-US" dirty="0" smtClean="0"/>
-              <a:t>Both inline and block elements can be floated</a:t>
-            </a:r>
-          </a:p>
-          <a:p>
-            <a:r>
-              <a:rPr lang="en-US" dirty="0" smtClean="0"/>
-              <a:t>Floated elements are pull out of the flow of the document.</a:t>
+              <a:t>A floated element will move to the extreme right or left.</a:t>
+            </a:r>
+          </a:p>
+          <a:p>
+            <a:r>
+              <a:rPr lang="en-US" dirty="0" smtClean="0"/>
+              <a:t>The content after the floated element will wrap around the element.  If an element is floated to the left the content will wrap to the right.</a:t>
+            </a:r>
+          </a:p>
+          <a:p>
+            <a:r>
+              <a:rPr lang="en-US" dirty="0" smtClean="0"/>
+              <a:t>Both inline and block elements can be floated.</a:t>
+            </a:r>
+          </a:p>
+          <a:p>
+            <a:r>
+              <a:rPr lang="en-US" dirty="0" smtClean="0"/>
+              <a:t>Floated elements are pulled out of the flow of the document.</a:t>
             </a:r>
           </a:p>
           <a:p>
             <a:pPr lvl="1"/>
             <a:r>
               <a:rPr lang="en-US" dirty="0" smtClean="0"/>
-              <a:t>When floated the element will be as wide as the content determines </a:t>
+              <a:t>When floated the element will be as wide as the content determines. </a:t>
             </a:r>
           </a:p>
           <a:p>
             <a:pPr lvl="1"/>
             <a:r>
               <a:rPr lang="en-US" dirty="0" smtClean="0"/>
-              <a:t>A width may be need to limit how wide needs to display</a:t>
-            </a:r>
-            <a:endParaRPr lang="en-US" dirty="0"/>
+              <a:t>A width may be need to limit how wide the element is.</a:t>
+            </a:r>
           </a:p>
           <a:p>
             <a:pPr lvl="1"/>
@@ -7443,7 +7451,7 @@
         <p:spPr>
           <a:xfrm>
             <a:off x="4648200" y="4091290"/>
-            <a:ext cx="4038600" cy="923330"/>
+            <a:ext cx="4038600" cy="1200329"/>
           </a:xfrm>
           <a:prstGeom prst="rect">
             <a:avLst/>
@@ -7483,7 +7491,7 @@
                   <a:schemeClr val="bg1"/>
                 </a:solidFill>
               </a:rPr>
-              <a:t> how the image overflows the box. This happens when a floated element is larger than the content. </a:t>
+              <a:t> how the image overflows the box. This happens when a floated element is larger than the content in the parent element. </a:t>
             </a:r>
             <a:endParaRPr lang="en-US" dirty="0">
               <a:solidFill>
@@ -8250,7 +8258,7 @@
                   <a:srgbClr val="FFFFFF"/>
                 </a:solidFill>
               </a:rPr>
-              <a:t> how the box now is the same size as the the content.  The cleared content “pins” the content below the floated element extending the parent element.</a:t>
+              <a:t> how the box now is the same size as the content.  The cleared content “pins” the content below the floated element extending the parent element.</a:t>
             </a:r>
             <a:endParaRPr lang="en-US" dirty="0">
               <a:solidFill>
@@ -8317,7 +8325,9 @@
         </p:nvSpPr>
         <p:spPr/>
         <p:txBody>
-          <a:bodyPr/>
+          <a:bodyPr>
+            <a:normAutofit lnSpcReduction="10000"/>
+          </a:bodyPr>
           <a:lstStyle/>
           <a:p>
             <a:r>
@@ -8328,25 +8338,25 @@
           <a:p>
             <a:r>
               <a:rPr lang="en-US" dirty="0" smtClean="0"/>
-              <a:t>They stack in the direction they are floated</a:t>
-            </a:r>
-          </a:p>
-          <a:p>
-            <a:r>
-              <a:rPr lang="en-US" dirty="0" smtClean="0"/>
-              <a:t>They will stack until the parent elements with is met when they will wrap to the next row.</a:t>
-            </a:r>
-          </a:p>
-          <a:p>
-            <a:r>
-              <a:rPr lang="en-US" dirty="0" smtClean="0"/>
-              <a:t>If they heights are all the same this will create a nice grid. </a:t>
-            </a:r>
-          </a:p>
-          <a:p>
-            <a:r>
-              <a:rPr lang="en-US" dirty="0" smtClean="0"/>
-              <a:t>You can use margin to space the floated elements. </a:t>
+              <a:t>They stack in the direction they are floated.</a:t>
+            </a:r>
+          </a:p>
+          <a:p>
+            <a:r>
+              <a:rPr lang="en-US" dirty="0" smtClean="0"/>
+              <a:t>They will stack until the parent elements width is met when they will wrap to the next line.</a:t>
+            </a:r>
+          </a:p>
+          <a:p>
+            <a:r>
+              <a:rPr lang="en-US" dirty="0" smtClean="0"/>
+              <a:t>If the heights of the elements are all the same this will create a grid. </a:t>
+            </a:r>
+          </a:p>
+          <a:p>
+            <a:r>
+              <a:rPr lang="en-US" dirty="0" smtClean="0"/>
+              <a:t>Use margin to control the space between floated elements. </a:t>
             </a:r>
           </a:p>
           <a:p>
@@ -8365,14 +8375,14 @@
             <a:pPr lvl="1"/>
             <a:r>
               <a:rPr lang="en-US" dirty="0" smtClean="0"/>
-              <a:t>They are not the same</a:t>
+              <a:t>They are not the same.</a:t>
             </a:r>
           </a:p>
           <a:p>
             <a:pPr lvl="1"/>
             <a:r>
               <a:rPr lang="en-US" dirty="0" smtClean="0"/>
-              <a:t>Advantage and Disadvantages to each</a:t>
+              <a:t>There are advantages and disadvantages to each.</a:t>
             </a:r>
             <a:endParaRPr lang="en-US" dirty="0"/>
           </a:p>
@@ -9049,7 +9059,7 @@
             </a:r>
             <a:r>
               <a:rPr lang="en-US" dirty="0" smtClean="0"/>
-              <a:t> that red background on the </a:t>
+              <a:t> that the red background on the </a:t>
             </a:r>
             <a:r>
               <a:rPr lang="en-US" b="1" dirty="0" smtClean="0"/>

--- a/tech-talk.pptx
+++ b/tech-talk.pptx
@@ -24,7 +24,8 @@
     <p:sldId id="272" r:id="rId18"/>
     <p:sldId id="273" r:id="rId19"/>
     <p:sldId id="274" r:id="rId20"/>
-    <p:sldId id="275" r:id="rId21"/>
+    <p:sldId id="276" r:id="rId21"/>
+    <p:sldId id="275" r:id="rId22"/>
   </p:sldIdLst>
   <p:sldSz cx="9144000" cy="6858000" type="screen4x3"/>
   <p:notesSz cx="6858000" cy="9144000"/>
@@ -380,7 +381,7 @@
             <a:fld id="{34D8DEE8-7A87-4E01-8ADE-4C49CDD43F74}" type="datetime1">
               <a:rPr lang="en-US" smtClean="0"/>
               <a:pPr/>
-              <a:t>1/11/13</a:t>
+              <a:t>1/15/13</a:t>
             </a:fld>
             <a:endParaRPr lang="en-US" dirty="0"/>
           </a:p>
@@ -483,11 +484,11 @@
   <p:clrMapOvr>
     <a:masterClrMapping/>
   </p:clrMapOvr>
-  <mc:AlternateContent xmlns:mc="http://schemas.openxmlformats.org/markup-compatibility/2006">
-    <mc:Choice xmlns:p14="http://schemas.microsoft.com/office/powerpoint/2010/main" Requires="p14">
+  <mc:AlternateContent xmlns:mc="http://schemas.openxmlformats.org/markup-compatibility/2006" xmlns:p14="http://schemas.microsoft.com/office/powerpoint/2010/main">
+    <mc:Choice Requires="p14">
       <p:transition p14:dur="0"/>
     </mc:Choice>
-    <mc:Fallback>
+    <mc:Fallback xmlns="">
       <p:transition xmlns:p14="http://schemas.microsoft.com/office/powerpoint/2010/main"/>
     </mc:Fallback>
   </mc:AlternateContent>
@@ -604,7 +605,7 @@
             <a:fld id="{7F8F9461-E3EB-40CD-B93F-E5CBBBD8E0BA}" type="datetimeFigureOut">
               <a:rPr lang="en-US" smtClean="0"/>
               <a:pPr/>
-              <a:t>1/11/13</a:t>
+              <a:t>1/15/13</a:t>
             </a:fld>
             <a:endParaRPr lang="en-US"/>
           </a:p>
@@ -658,11 +659,11 @@
   <p:clrMapOvr>
     <a:masterClrMapping/>
   </p:clrMapOvr>
-  <mc:AlternateContent xmlns:mc="http://schemas.openxmlformats.org/markup-compatibility/2006">
-    <mc:Choice xmlns:p14="http://schemas.microsoft.com/office/powerpoint/2010/main" Requires="p14">
+  <mc:AlternateContent xmlns:mc="http://schemas.openxmlformats.org/markup-compatibility/2006" xmlns:p14="http://schemas.microsoft.com/office/powerpoint/2010/main">
+    <mc:Choice Requires="p14">
       <p:transition p14:dur="0"/>
     </mc:Choice>
-    <mc:Fallback>
+    <mc:Fallback xmlns="">
       <p:transition xmlns:p14="http://schemas.microsoft.com/office/powerpoint/2010/main"/>
     </mc:Fallback>
   </mc:AlternateContent>
@@ -881,7 +882,7 @@
             <a:fld id="{60578FA3-38AD-400D-A4D2-18E8EF129E5F}" type="datetime1">
               <a:rPr lang="en-US" smtClean="0"/>
               <a:pPr/>
-              <a:t>1/11/13</a:t>
+              <a:t>1/15/13</a:t>
             </a:fld>
             <a:endParaRPr lang="en-US"/>
           </a:p>
@@ -943,11 +944,11 @@
   <p:clrMapOvr>
     <a:masterClrMapping/>
   </p:clrMapOvr>
-  <mc:AlternateContent xmlns:mc="http://schemas.openxmlformats.org/markup-compatibility/2006">
-    <mc:Choice xmlns:p14="http://schemas.microsoft.com/office/powerpoint/2010/main" Requires="p14">
+  <mc:AlternateContent xmlns:mc="http://schemas.openxmlformats.org/markup-compatibility/2006" xmlns:p14="http://schemas.microsoft.com/office/powerpoint/2010/main">
+    <mc:Choice Requires="p14">
       <p:transition p14:dur="0"/>
     </mc:Choice>
-    <mc:Fallback>
+    <mc:Fallback xmlns="">
       <p:transition xmlns:p14="http://schemas.microsoft.com/office/powerpoint/2010/main"/>
     </mc:Fallback>
   </mc:AlternateContent>
@@ -1041,7 +1042,7 @@
             <a:fld id="{A2EFF424-F111-43CB-9C75-D52325012943}" type="datetime1">
               <a:rPr lang="en-US" smtClean="0"/>
               <a:pPr/>
-              <a:t>1/11/13</a:t>
+              <a:t>1/15/13</a:t>
             </a:fld>
             <a:endParaRPr lang="en-US"/>
           </a:p>
@@ -1118,11 +1119,11 @@
   <p:clrMapOvr>
     <a:masterClrMapping/>
   </p:clrMapOvr>
-  <mc:AlternateContent xmlns:mc="http://schemas.openxmlformats.org/markup-compatibility/2006">
-    <mc:Choice xmlns:p14="http://schemas.microsoft.com/office/powerpoint/2010/main" Requires="p14">
+  <mc:AlternateContent xmlns:mc="http://schemas.openxmlformats.org/markup-compatibility/2006" xmlns:p14="http://schemas.microsoft.com/office/powerpoint/2010/main">
+    <mc:Choice Requires="p14">
       <p:transition p14:dur="0"/>
     </mc:Choice>
-    <mc:Fallback>
+    <mc:Fallback xmlns="">
       <p:transition xmlns:p14="http://schemas.microsoft.com/office/powerpoint/2010/main"/>
     </mc:Fallback>
   </mc:AlternateContent>
@@ -1381,7 +1382,7 @@
             <a:fld id="{74A8BBF0-342D-409A-9C0A-B1B451E92883}" type="datetime1">
               <a:rPr lang="en-US" smtClean="0"/>
               <a:pPr/>
-              <a:t>1/11/13</a:t>
+              <a:t>1/15/13</a:t>
             </a:fld>
             <a:endParaRPr lang="en-US" dirty="0"/>
           </a:p>
@@ -1484,11 +1485,11 @@
   <p:clrMapOvr>
     <a:masterClrMapping/>
   </p:clrMapOvr>
-  <mc:AlternateContent xmlns:mc="http://schemas.openxmlformats.org/markup-compatibility/2006">
-    <mc:Choice xmlns:p14="http://schemas.microsoft.com/office/powerpoint/2010/main" Requires="p14">
+  <mc:AlternateContent xmlns:mc="http://schemas.openxmlformats.org/markup-compatibility/2006" xmlns:p14="http://schemas.microsoft.com/office/powerpoint/2010/main">
+    <mc:Choice Requires="p14">
       <p:transition p14:dur="0"/>
     </mc:Choice>
-    <mc:Fallback>
+    <mc:Fallback xmlns="">
       <p:transition xmlns:p14="http://schemas.microsoft.com/office/powerpoint/2010/main"/>
     </mc:Fallback>
   </mc:AlternateContent>
@@ -1700,7 +1701,7 @@
             <a:fld id="{345DA190-4BDC-4D39-B5BB-A14B3E8B1B3D}" type="datetime1">
               <a:rPr lang="en-US" smtClean="0"/>
               <a:pPr/>
-              <a:t>1/11/13</a:t>
+              <a:t>1/15/13</a:t>
             </a:fld>
             <a:endParaRPr lang="en-US"/>
           </a:p>
@@ -1777,11 +1778,11 @@
   <p:clrMapOvr>
     <a:masterClrMapping/>
   </p:clrMapOvr>
-  <mc:AlternateContent xmlns:mc="http://schemas.openxmlformats.org/markup-compatibility/2006">
-    <mc:Choice xmlns:p14="http://schemas.microsoft.com/office/powerpoint/2010/main" Requires="p14">
+  <mc:AlternateContent xmlns:mc="http://schemas.openxmlformats.org/markup-compatibility/2006" xmlns:p14="http://schemas.microsoft.com/office/powerpoint/2010/main">
+    <mc:Choice Requires="p14">
       <p:transition p14:dur="0"/>
     </mc:Choice>
-    <mc:Fallback>
+    <mc:Fallback xmlns="">
       <p:transition xmlns:p14="http://schemas.microsoft.com/office/powerpoint/2010/main"/>
     </mc:Fallback>
   </mc:AlternateContent>
@@ -2131,7 +2132,7 @@
             <a:fld id="{581D52F2-9B11-4FC0-9217-7D20B3AC9849}" type="datetime1">
               <a:rPr lang="en-US" smtClean="0"/>
               <a:pPr/>
-              <a:t>1/11/13</a:t>
+              <a:t>1/15/13</a:t>
             </a:fld>
             <a:endParaRPr lang="en-US"/>
           </a:p>
@@ -2208,11 +2209,11 @@
   <p:clrMapOvr>
     <a:masterClrMapping/>
   </p:clrMapOvr>
-  <mc:AlternateContent xmlns:mc="http://schemas.openxmlformats.org/markup-compatibility/2006">
-    <mc:Choice xmlns:p14="http://schemas.microsoft.com/office/powerpoint/2010/main" Requires="p14">
+  <mc:AlternateContent xmlns:mc="http://schemas.openxmlformats.org/markup-compatibility/2006" xmlns:p14="http://schemas.microsoft.com/office/powerpoint/2010/main">
+    <mc:Choice Requires="p14">
       <p:transition p14:dur="0"/>
     </mc:Choice>
-    <mc:Fallback>
+    <mc:Fallback xmlns="">
       <p:transition xmlns:p14="http://schemas.microsoft.com/office/powerpoint/2010/main"/>
     </mc:Fallback>
   </mc:AlternateContent>
@@ -2254,7 +2255,7 @@
             <a:fld id="{4CF13737-8506-438E-ABC0-0BE7E06DCCA6}" type="datetime1">
               <a:rPr lang="en-US" smtClean="0"/>
               <a:pPr/>
-              <a:t>1/11/13</a:t>
+              <a:t>1/15/13</a:t>
             </a:fld>
             <a:endParaRPr lang="en-US"/>
           </a:p>
@@ -2331,11 +2332,11 @@
   <p:clrMapOvr>
     <a:masterClrMapping/>
   </p:clrMapOvr>
-  <mc:AlternateContent xmlns:mc="http://schemas.openxmlformats.org/markup-compatibility/2006">
-    <mc:Choice xmlns:p14="http://schemas.microsoft.com/office/powerpoint/2010/main" Requires="p14">
+  <mc:AlternateContent xmlns:mc="http://schemas.openxmlformats.org/markup-compatibility/2006" xmlns:p14="http://schemas.microsoft.com/office/powerpoint/2010/main">
+    <mc:Choice Requires="p14">
       <p:transition p14:dur="0"/>
     </mc:Choice>
-    <mc:Fallback>
+    <mc:Fallback xmlns="">
       <p:transition xmlns:p14="http://schemas.microsoft.com/office/powerpoint/2010/main"/>
     </mc:Fallback>
   </mc:AlternateContent>
@@ -2423,7 +2424,7 @@
             <a:fld id="{941D58AA-1C84-40C9-BFEE-631CCB17636C}" type="datetime1">
               <a:rPr lang="en-US" smtClean="0"/>
               <a:pPr/>
-              <a:t>1/11/13</a:t>
+              <a:t>1/15/13</a:t>
             </a:fld>
             <a:endParaRPr lang="en-US"/>
           </a:p>
@@ -2477,11 +2478,11 @@
   <p:clrMapOvr>
     <a:masterClrMapping/>
   </p:clrMapOvr>
-  <mc:AlternateContent xmlns:mc="http://schemas.openxmlformats.org/markup-compatibility/2006">
-    <mc:Choice xmlns:p14="http://schemas.microsoft.com/office/powerpoint/2010/main" Requires="p14">
+  <mc:AlternateContent xmlns:mc="http://schemas.openxmlformats.org/markup-compatibility/2006" xmlns:p14="http://schemas.microsoft.com/office/powerpoint/2010/main">
+    <mc:Choice Requires="p14">
       <p:transition p14:dur="0"/>
     </mc:Choice>
-    <mc:Fallback>
+    <mc:Fallback xmlns="">
       <p:transition xmlns:p14="http://schemas.microsoft.com/office/powerpoint/2010/main"/>
     </mc:Fallback>
   </mc:AlternateContent>
@@ -2817,7 +2818,7 @@
             <a:fld id="{936542C1-4E96-413B-B72E-6C4B39D85C9D}" type="datetime1">
               <a:rPr lang="en-US" smtClean="0"/>
               <a:pPr/>
-              <a:t>1/11/13</a:t>
+              <a:t>1/15/13</a:t>
             </a:fld>
             <a:endParaRPr lang="en-US"/>
           </a:p>
@@ -2915,11 +2916,11 @@
   <p:clrMapOvr>
     <a:overrideClrMapping bg1="lt1" tx1="dk1" bg2="lt2" tx2="dk2" accent1="accent1" accent2="accent2" accent3="accent3" accent4="accent4" accent5="accent5" accent6="accent6" hlink="hlink" folHlink="folHlink"/>
   </p:clrMapOvr>
-  <mc:AlternateContent xmlns:mc="http://schemas.openxmlformats.org/markup-compatibility/2006">
-    <mc:Choice xmlns:p14="http://schemas.microsoft.com/office/powerpoint/2010/main" Requires="p14">
+  <mc:AlternateContent xmlns:mc="http://schemas.openxmlformats.org/markup-compatibility/2006" xmlns:p14="http://schemas.microsoft.com/office/powerpoint/2010/main">
+    <mc:Choice Requires="p14">
       <p:transition p14:dur="0"/>
     </mc:Choice>
-    <mc:Fallback>
+    <mc:Fallback xmlns="">
       <p:transition xmlns:p14="http://schemas.microsoft.com/office/powerpoint/2010/main"/>
     </mc:Fallback>
   </mc:AlternateContent>
@@ -3189,7 +3190,7 @@
             <a:fld id="{F0542AA2-D442-471A-9D69-80392E1E581D}" type="datetime1">
               <a:rPr lang="en-US" smtClean="0"/>
               <a:pPr/>
-              <a:t>1/11/13</a:t>
+              <a:t>1/15/13</a:t>
             </a:fld>
             <a:endParaRPr lang="en-US" dirty="0"/>
           </a:p>
@@ -3279,11 +3280,11 @@
   <p:clrMapOvr>
     <a:overrideClrMapping bg1="dk1" tx1="lt1" bg2="dk2" tx2="lt2" accent1="accent1" accent2="accent2" accent3="accent3" accent4="accent4" accent5="accent5" accent6="accent6" hlink="hlink" folHlink="folHlink"/>
   </p:clrMapOvr>
-  <mc:AlternateContent xmlns:mc="http://schemas.openxmlformats.org/markup-compatibility/2006">
-    <mc:Choice xmlns:p14="http://schemas.microsoft.com/office/powerpoint/2010/main" Requires="p14">
+  <mc:AlternateContent xmlns:mc="http://schemas.openxmlformats.org/markup-compatibility/2006" xmlns:p14="http://schemas.microsoft.com/office/powerpoint/2010/main">
+    <mc:Choice Requires="p14">
       <p:transition p14:dur="0"/>
     </mc:Choice>
-    <mc:Fallback>
+    <mc:Fallback xmlns="">
       <p:transition xmlns:p14="http://schemas.microsoft.com/office/powerpoint/2010/main"/>
     </mc:Fallback>
   </mc:AlternateContent>
@@ -3533,7 +3534,7 @@
             <a:fld id="{EC43563C-D9B3-4432-B336-144C997D6215}" type="datetime1">
               <a:rPr lang="en-US" smtClean="0"/>
               <a:pPr/>
-              <a:t>1/11/13</a:t>
+              <a:t>1/15/13</a:t>
             </a:fld>
             <a:endParaRPr lang="en-US" dirty="0"/>
           </a:p>
@@ -3634,11 +3635,11 @@
     <p:sldLayoutId id="2147483658" r:id="rId10"/>
     <p:sldLayoutId id="2147483659" r:id="rId11"/>
   </p:sldLayoutIdLst>
-  <mc:AlternateContent xmlns:mc="http://schemas.openxmlformats.org/markup-compatibility/2006">
-    <mc:Choice xmlns:p14="http://schemas.microsoft.com/office/powerpoint/2010/main" Requires="p14">
+  <mc:AlternateContent xmlns:mc="http://schemas.openxmlformats.org/markup-compatibility/2006" xmlns:p14="http://schemas.microsoft.com/office/powerpoint/2010/main">
+    <mc:Choice Requires="p14">
       <p:transition p14:dur="0"/>
     </mc:Choice>
-    <mc:Fallback>
+    <mc:Fallback xmlns="">
       <p:transition xmlns:p14="http://schemas.microsoft.com/office/powerpoint/2010/main"/>
     </mc:Fallback>
   </mc:AlternateContent>
@@ -4022,11 +4023,11 @@
   <p:clrMapOvr>
     <a:masterClrMapping/>
   </p:clrMapOvr>
-  <mc:AlternateContent xmlns:mc="http://schemas.openxmlformats.org/markup-compatibility/2006">
-    <mc:Choice xmlns:p14="http://schemas.microsoft.com/office/powerpoint/2010/main" Requires="p14">
+  <mc:AlternateContent xmlns:mc="http://schemas.openxmlformats.org/markup-compatibility/2006" xmlns:p14="http://schemas.microsoft.com/office/powerpoint/2010/main">
+    <mc:Choice Requires="p14">
       <p:transition p14:dur="0"/>
     </mc:Choice>
-    <mc:Fallback>
+    <mc:Fallback xmlns="">
       <p:transition xmlns:p14="http://schemas.microsoft.com/office/powerpoint/2010/main"/>
     </mc:Fallback>
   </mc:AlternateContent>
@@ -4183,11 +4184,11 @@
   <p:clrMapOvr>
     <a:masterClrMapping/>
   </p:clrMapOvr>
-  <mc:AlternateContent xmlns:mc="http://schemas.openxmlformats.org/markup-compatibility/2006">
-    <mc:Choice xmlns:p14="http://schemas.microsoft.com/office/powerpoint/2010/main" Requires="p14">
+  <mc:AlternateContent xmlns:mc="http://schemas.openxmlformats.org/markup-compatibility/2006" xmlns:p14="http://schemas.microsoft.com/office/powerpoint/2010/main">
+    <mc:Choice Requires="p14">
       <p:transition p14:dur="0"/>
     </mc:Choice>
-    <mc:Fallback>
+    <mc:Fallback xmlns="">
       <p:transition xmlns:p14="http://schemas.microsoft.com/office/powerpoint/2010/main"/>
     </mc:Fallback>
   </mc:AlternateContent>
@@ -4427,14 +4428,21 @@
   <p:clrMapOvr>
     <a:masterClrMapping/>
   </p:clrMapOvr>
-  <mc:AlternateContent xmlns:mc="http://schemas.openxmlformats.org/markup-compatibility/2006">
-    <mc:Choice xmlns:p14="http://schemas.microsoft.com/office/powerpoint/2010/main" Requires="p14">
+  <mc:AlternateContent xmlns:mc="http://schemas.openxmlformats.org/markup-compatibility/2006" xmlns:p14="http://schemas.microsoft.com/office/powerpoint/2010/main">
+    <mc:Choice Requires="p14">
       <p:transition p14:dur="0"/>
     </mc:Choice>
-    <mc:Fallback>
+    <mc:Fallback xmlns="">
       <p:transition xmlns:p14="http://schemas.microsoft.com/office/powerpoint/2010/main"/>
     </mc:Fallback>
   </mc:AlternateContent>
+  <p:timing>
+    <p:tnLst>
+      <p:par>
+        <p:cTn xmlns:p14="http://schemas.microsoft.com/office/powerpoint/2010/main" id="1" dur="indefinite" restart="never" nodeType="tmRoot"/>
+      </p:par>
+    </p:tnLst>
+  </p:timing>
 </p:sld>
 </file>
 
@@ -4664,14 +4672,21 @@
   <p:clrMapOvr>
     <a:masterClrMapping/>
   </p:clrMapOvr>
-  <mc:AlternateContent xmlns:mc="http://schemas.openxmlformats.org/markup-compatibility/2006">
-    <mc:Choice xmlns:p14="http://schemas.microsoft.com/office/powerpoint/2010/main" Requires="p14">
+  <mc:AlternateContent xmlns:mc="http://schemas.openxmlformats.org/markup-compatibility/2006" xmlns:p14="http://schemas.microsoft.com/office/powerpoint/2010/main">
+    <mc:Choice Requires="p14">
       <p:transition p14:dur="0"/>
     </mc:Choice>
-    <mc:Fallback>
+    <mc:Fallback xmlns="">
       <p:transition xmlns:p14="http://schemas.microsoft.com/office/powerpoint/2010/main"/>
     </mc:Fallback>
   </mc:AlternateContent>
+  <p:timing>
+    <p:tnLst>
+      <p:par>
+        <p:cTn xmlns:p14="http://schemas.microsoft.com/office/powerpoint/2010/main" id="1" dur="indefinite" restart="never" nodeType="tmRoot"/>
+      </p:par>
+    </p:tnLst>
+  </p:timing>
 </p:sld>
 </file>
 
@@ -4896,14 +4911,21 @@
   <p:clrMapOvr>
     <a:masterClrMapping/>
   </p:clrMapOvr>
-  <mc:AlternateContent xmlns:mc="http://schemas.openxmlformats.org/markup-compatibility/2006">
-    <mc:Choice xmlns:p14="http://schemas.microsoft.com/office/powerpoint/2010/main" Requires="p14">
+  <mc:AlternateContent xmlns:mc="http://schemas.openxmlformats.org/markup-compatibility/2006" xmlns:p14="http://schemas.microsoft.com/office/powerpoint/2010/main">
+    <mc:Choice Requires="p14">
       <p:transition p14:dur="0"/>
     </mc:Choice>
-    <mc:Fallback>
+    <mc:Fallback xmlns="">
       <p:transition xmlns:p14="http://schemas.microsoft.com/office/powerpoint/2010/main"/>
     </mc:Fallback>
   </mc:AlternateContent>
+  <p:timing>
+    <p:tnLst>
+      <p:par>
+        <p:cTn xmlns:p14="http://schemas.microsoft.com/office/powerpoint/2010/main" id="1" dur="indefinite" restart="never" nodeType="tmRoot"/>
+      </p:par>
+    </p:tnLst>
+  </p:timing>
 </p:sld>
 </file>
 
@@ -5242,14 +5264,21 @@
   <p:clrMapOvr>
     <a:masterClrMapping/>
   </p:clrMapOvr>
-  <mc:AlternateContent xmlns:mc="http://schemas.openxmlformats.org/markup-compatibility/2006">
-    <mc:Choice xmlns:p14="http://schemas.microsoft.com/office/powerpoint/2010/main" Requires="p14">
+  <mc:AlternateContent xmlns:mc="http://schemas.openxmlformats.org/markup-compatibility/2006" xmlns:p14="http://schemas.microsoft.com/office/powerpoint/2010/main">
+    <mc:Choice Requires="p14">
       <p:transition p14:dur="0"/>
     </mc:Choice>
-    <mc:Fallback>
+    <mc:Fallback xmlns="">
       <p:transition xmlns:p14="http://schemas.microsoft.com/office/powerpoint/2010/main"/>
     </mc:Fallback>
   </mc:AlternateContent>
+  <p:timing>
+    <p:tnLst>
+      <p:par>
+        <p:cTn xmlns:p14="http://schemas.microsoft.com/office/powerpoint/2010/main" id="1" dur="indefinite" restart="never" nodeType="tmRoot"/>
+      </p:par>
+    </p:tnLst>
+  </p:timing>
 </p:sld>
 </file>
 
@@ -5500,14 +5529,21 @@
   <p:clrMapOvr>
     <a:masterClrMapping/>
   </p:clrMapOvr>
-  <mc:AlternateContent xmlns:mc="http://schemas.openxmlformats.org/markup-compatibility/2006">
-    <mc:Choice xmlns:p14="http://schemas.microsoft.com/office/powerpoint/2010/main" Requires="p14">
+  <mc:AlternateContent xmlns:mc="http://schemas.openxmlformats.org/markup-compatibility/2006" xmlns:p14="http://schemas.microsoft.com/office/powerpoint/2010/main">
+    <mc:Choice Requires="p14">
       <p:transition p14:dur="0"/>
     </mc:Choice>
-    <mc:Fallback>
+    <mc:Fallback xmlns="">
       <p:transition xmlns:p14="http://schemas.microsoft.com/office/powerpoint/2010/main"/>
     </mc:Fallback>
   </mc:AlternateContent>
+  <p:timing>
+    <p:tnLst>
+      <p:par>
+        <p:cTn xmlns:p14="http://schemas.microsoft.com/office/powerpoint/2010/main" id="1" dur="indefinite" restart="never" nodeType="tmRoot"/>
+      </p:par>
+    </p:tnLst>
+  </p:timing>
 </p:sld>
 </file>
 
@@ -6063,14 +6099,21 @@
   <p:clrMapOvr>
     <a:masterClrMapping/>
   </p:clrMapOvr>
-  <mc:AlternateContent xmlns:mc="http://schemas.openxmlformats.org/markup-compatibility/2006">
-    <mc:Choice xmlns:p14="http://schemas.microsoft.com/office/powerpoint/2010/main" Requires="p14">
+  <mc:AlternateContent xmlns:mc="http://schemas.openxmlformats.org/markup-compatibility/2006" xmlns:p14="http://schemas.microsoft.com/office/powerpoint/2010/main">
+    <mc:Choice Requires="p14">
       <p:transition p14:dur="0"/>
     </mc:Choice>
-    <mc:Fallback>
+    <mc:Fallback xmlns="">
       <p:transition xmlns:p14="http://schemas.microsoft.com/office/powerpoint/2010/main"/>
     </mc:Fallback>
   </mc:AlternateContent>
+  <p:timing>
+    <p:tnLst>
+      <p:par>
+        <p:cTn xmlns:p14="http://schemas.microsoft.com/office/powerpoint/2010/main" id="1" dur="indefinite" restart="never" nodeType="tmRoot"/>
+      </p:par>
+    </p:tnLst>
+  </p:timing>
 </p:sld>
 </file>
 
@@ -6218,14 +6261,21 @@
   <p:clrMapOvr>
     <a:masterClrMapping/>
   </p:clrMapOvr>
-  <mc:AlternateContent xmlns:mc="http://schemas.openxmlformats.org/markup-compatibility/2006">
-    <mc:Choice xmlns:p14="http://schemas.microsoft.com/office/powerpoint/2010/main" Requires="p14">
+  <mc:AlternateContent xmlns:mc="http://schemas.openxmlformats.org/markup-compatibility/2006" xmlns:p14="http://schemas.microsoft.com/office/powerpoint/2010/main">
+    <mc:Choice Requires="p14">
       <p:transition p14:dur="0"/>
     </mc:Choice>
-    <mc:Fallback>
+    <mc:Fallback xmlns="">
       <p:transition xmlns:p14="http://schemas.microsoft.com/office/powerpoint/2010/main"/>
     </mc:Fallback>
   </mc:AlternateContent>
+  <p:timing>
+    <p:tnLst>
+      <p:par>
+        <p:cTn xmlns:p14="http://schemas.microsoft.com/office/powerpoint/2010/main" id="1" dur="indefinite" restart="never" nodeType="tmRoot"/>
+      </p:par>
+    </p:tnLst>
+  </p:timing>
 </p:sld>
 </file>
 
@@ -6496,14 +6546,21 @@
   <p:clrMapOvr>
     <a:masterClrMapping/>
   </p:clrMapOvr>
-  <mc:AlternateContent xmlns:mc="http://schemas.openxmlformats.org/markup-compatibility/2006">
-    <mc:Choice xmlns:p14="http://schemas.microsoft.com/office/powerpoint/2010/main" Requires="p14">
+  <mc:AlternateContent xmlns:mc="http://schemas.openxmlformats.org/markup-compatibility/2006" xmlns:p14="http://schemas.microsoft.com/office/powerpoint/2010/main">
+    <mc:Choice Requires="p14">
       <p:transition p14:dur="0"/>
     </mc:Choice>
-    <mc:Fallback>
+    <mc:Fallback xmlns="">
       <p:transition xmlns:p14="http://schemas.microsoft.com/office/powerpoint/2010/main"/>
     </mc:Fallback>
   </mc:AlternateContent>
+  <p:timing>
+    <p:tnLst>
+      <p:par>
+        <p:cTn xmlns:p14="http://schemas.microsoft.com/office/powerpoint/2010/main" id="1" dur="indefinite" restart="never" nodeType="tmRoot"/>
+      </p:par>
+    </p:tnLst>
+  </p:timing>
 </p:sld>
 </file>
 
@@ -6633,14 +6690,21 @@
   <p:clrMapOvr>
     <a:masterClrMapping/>
   </p:clrMapOvr>
-  <mc:AlternateContent xmlns:mc="http://schemas.openxmlformats.org/markup-compatibility/2006">
-    <mc:Choice xmlns:p14="http://schemas.microsoft.com/office/powerpoint/2010/main" Requires="p14">
+  <mc:AlternateContent xmlns:mc="http://schemas.openxmlformats.org/markup-compatibility/2006" xmlns:p14="http://schemas.microsoft.com/office/powerpoint/2010/main">
+    <mc:Choice Requires="p14">
       <p:transition p14:dur="0"/>
     </mc:Choice>
-    <mc:Fallback>
+    <mc:Fallback xmlns="">
       <p:transition xmlns:p14="http://schemas.microsoft.com/office/powerpoint/2010/main"/>
     </mc:Fallback>
   </mc:AlternateContent>
+  <p:timing>
+    <p:tnLst>
+      <p:par>
+        <p:cTn xmlns:p14="http://schemas.microsoft.com/office/powerpoint/2010/main" id="1" dur="indefinite" restart="never" nodeType="tmRoot"/>
+      </p:par>
+    </p:tnLst>
+  </p:timing>
 </p:sld>
 </file>
 
@@ -6786,11 +6850,11 @@
   <p:clrMapOvr>
     <a:masterClrMapping/>
   </p:clrMapOvr>
-  <mc:AlternateContent xmlns:mc="http://schemas.openxmlformats.org/markup-compatibility/2006">
-    <mc:Choice xmlns:p14="http://schemas.microsoft.com/office/powerpoint/2010/main" Requires="p14">
+  <mc:AlternateContent xmlns:mc="http://schemas.openxmlformats.org/markup-compatibility/2006" xmlns:p14="http://schemas.microsoft.com/office/powerpoint/2010/main">
+    <mc:Choice Requires="p14">
       <p:transition p14:dur="0"/>
     </mc:Choice>
-    <mc:Fallback>
+    <mc:Fallback xmlns="">
       <p:transition xmlns:p14="http://schemas.microsoft.com/office/powerpoint/2010/main"/>
     </mc:Fallback>
   </mc:AlternateContent>
@@ -6829,6 +6893,128 @@
         </p:nvSpPr>
         <p:spPr>
           <a:xfrm>
+            <a:off x="361271" y="405102"/>
+            <a:ext cx="8363983" cy="5786199"/>
+          </a:xfrm>
+          <a:prstGeom prst="rect">
+            <a:avLst/>
+          </a:prstGeom>
+          <a:noFill/>
+        </p:spPr>
+        <p:txBody>
+          <a:bodyPr wrap="square" rtlCol="0">
+            <a:spAutoFit/>
+          </a:bodyPr>
+          <a:lstStyle/>
+          <a:p>
+            <a:pPr algn="ctr"/>
+            <a:r>
+              <a:rPr lang="en-US" sz="4400" dirty="0" smtClean="0"/>
+              <a:t>Interested in learning more about </a:t>
+            </a:r>
+            <a:r>
+              <a:rPr lang="en-US" sz="4400" b="1" dirty="0"/>
+              <a:t>A</a:t>
+            </a:r>
+            <a:r>
+              <a:rPr lang="en-US" sz="4400" b="1" dirty="0" smtClean="0"/>
+              <a:t>ppNexus?</a:t>
+            </a:r>
+          </a:p>
+          <a:p>
+            <a:pPr algn="ctr"/>
+            <a:r>
+              <a:rPr lang="en-US" sz="4400" dirty="0" smtClean="0"/>
+              <a:t>Visit our Website:</a:t>
+            </a:r>
+          </a:p>
+          <a:p>
+            <a:pPr algn="ctr"/>
+            <a:r>
+              <a:rPr lang="en-US" sz="6600" dirty="0" err="1" smtClean="0"/>
+              <a:t>careers.appnexus.com</a:t>
+            </a:r>
+            <a:endParaRPr lang="en-US" sz="6600" dirty="0" smtClean="0"/>
+          </a:p>
+          <a:p>
+            <a:pPr algn="ctr"/>
+            <a:endParaRPr lang="en-US" sz="2400" dirty="0"/>
+          </a:p>
+          <a:p>
+            <a:pPr algn="ctr"/>
+            <a:r>
+              <a:rPr lang="en-US" sz="4400" dirty="0" smtClean="0"/>
+              <a:t>Apply via </a:t>
+            </a:r>
+            <a:r>
+              <a:rPr lang="en-US" sz="4400" dirty="0" err="1" smtClean="0"/>
+              <a:t>PennLink</a:t>
+            </a:r>
+            <a:r>
+              <a:rPr lang="en-US" sz="4400" dirty="0" smtClean="0"/>
+              <a:t> for technical summer internships</a:t>
+            </a:r>
+          </a:p>
+          <a:p>
+            <a:pPr algn="ctr"/>
+            <a:r>
+              <a:rPr lang="en-US" sz="6000" b="1" dirty="0" smtClean="0"/>
+              <a:t> by January 23</a:t>
+            </a:r>
+            <a:r>
+              <a:rPr lang="en-US" sz="6000" b="1" baseline="30000" dirty="0" smtClean="0"/>
+              <a:t>rd</a:t>
+            </a:r>
+            <a:endParaRPr lang="en-US" sz="6000" b="1" dirty="0"/>
+          </a:p>
+        </p:txBody>
+      </p:sp>
+    </p:spTree>
+    <p:extLst>
+      <p:ext uri="{BB962C8B-B14F-4D97-AF65-F5344CB8AC3E}">
+        <p14:creationId xmlns:p14="http://schemas.microsoft.com/office/powerpoint/2010/main" val="548798068"/>
+      </p:ext>
+    </p:extLst>
+  </p:cSld>
+  <p:clrMapOvr>
+    <a:masterClrMapping/>
+  </p:clrMapOvr>
+  <mc:AlternateContent xmlns:mc="http://schemas.openxmlformats.org/markup-compatibility/2006" xmlns:p14="http://schemas.microsoft.com/office/powerpoint/2010/main">
+    <mc:Choice Requires="p14">
+      <p:transition p14:dur="0"/>
+    </mc:Choice>
+    <mc:Fallback xmlns="">
+      <p:transition xmlns:p14="http://schemas.microsoft.com/office/powerpoint/2010/main"/>
+    </mc:Fallback>
+  </mc:AlternateContent>
+</p:sld>
+</file>
+
+<file path=ppt/slides/slide21.xml><?xml version="1.0" encoding="utf-8"?>
+<p:sld xmlns:a="http://schemas.openxmlformats.org/drawingml/2006/main" xmlns:r="http://schemas.openxmlformats.org/officeDocument/2006/relationships" xmlns:p="http://schemas.openxmlformats.org/presentationml/2006/main">
+  <p:cSld>
+    <p:spTree>
+      <p:nvGrpSpPr>
+        <p:cNvPr id="1" name=""/>
+        <p:cNvGrpSpPr/>
+        <p:nvPr/>
+      </p:nvGrpSpPr>
+      <p:grpSpPr>
+        <a:xfrm>
+          <a:off x="0" y="0"/>
+          <a:ext cx="0" cy="0"/>
+          <a:chOff x="0" y="0"/>
+          <a:chExt cx="0" cy="0"/>
+        </a:xfrm>
+      </p:grpSpPr>
+      <p:sp>
+        <p:nvSpPr>
+          <p:cNvPr id="4" name="TextBox 3"/>
+          <p:cNvSpPr txBox="1"/>
+          <p:nvPr/>
+        </p:nvSpPr>
+        <p:spPr>
+          <a:xfrm>
             <a:off x="157757" y="2114899"/>
             <a:ext cx="8802850" cy="1107996"/>
           </a:xfrm>
@@ -6862,14 +7048,21 @@
   <p:clrMapOvr>
     <a:masterClrMapping/>
   </p:clrMapOvr>
-  <mc:AlternateContent xmlns:mc="http://schemas.openxmlformats.org/markup-compatibility/2006">
-    <mc:Choice xmlns:p14="http://schemas.microsoft.com/office/powerpoint/2010/main" Requires="p14">
+  <mc:AlternateContent xmlns:mc="http://schemas.openxmlformats.org/markup-compatibility/2006" xmlns:p14="http://schemas.microsoft.com/office/powerpoint/2010/main">
+    <mc:Choice Requires="p14">
       <p:transition p14:dur="0"/>
     </mc:Choice>
-    <mc:Fallback>
+    <mc:Fallback xmlns="">
       <p:transition xmlns:p14="http://schemas.microsoft.com/office/powerpoint/2010/main"/>
     </mc:Fallback>
   </mc:AlternateContent>
+  <p:timing>
+    <p:tnLst>
+      <p:par>
+        <p:cTn xmlns:p14="http://schemas.microsoft.com/office/powerpoint/2010/main" id="1" dur="indefinite" restart="never" nodeType="tmRoot"/>
+      </p:par>
+    </p:tnLst>
+  </p:timing>
 </p:sld>
 </file>
 
@@ -6994,11 +7187,11 @@
   <p:clrMapOvr>
     <a:masterClrMapping/>
   </p:clrMapOvr>
-  <mc:AlternateContent xmlns:mc="http://schemas.openxmlformats.org/markup-compatibility/2006">
-    <mc:Choice xmlns:p14="http://schemas.microsoft.com/office/powerpoint/2010/main" Requires="p14">
+  <mc:AlternateContent xmlns:mc="http://schemas.openxmlformats.org/markup-compatibility/2006" xmlns:p14="http://schemas.microsoft.com/office/powerpoint/2010/main">
+    <mc:Choice Requires="p14">
       <p:transition p14:dur="0"/>
     </mc:Choice>
-    <mc:Fallback>
+    <mc:Fallback xmlns="">
       <p:transition xmlns:p14="http://schemas.microsoft.com/office/powerpoint/2010/main"/>
     </mc:Fallback>
   </mc:AlternateContent>
@@ -7511,11 +7704,11 @@
   <p:clrMapOvr>
     <a:masterClrMapping/>
   </p:clrMapOvr>
-  <mc:AlternateContent xmlns:mc="http://schemas.openxmlformats.org/markup-compatibility/2006">
-    <mc:Choice xmlns:p14="http://schemas.microsoft.com/office/powerpoint/2010/main" Requires="p14">
+  <mc:AlternateContent xmlns:mc="http://schemas.openxmlformats.org/markup-compatibility/2006" xmlns:p14="http://schemas.microsoft.com/office/powerpoint/2010/main">
+    <mc:Choice Requires="p14">
       <p:transition p14:dur="0"/>
     </mc:Choice>
-    <mc:Fallback>
+    <mc:Fallback xmlns="">
       <p:transition xmlns:p14="http://schemas.microsoft.com/office/powerpoint/2010/main"/>
     </mc:Fallback>
   </mc:AlternateContent>
@@ -7722,11 +7915,11 @@
   <p:clrMapOvr>
     <a:masterClrMapping/>
   </p:clrMapOvr>
-  <mc:AlternateContent xmlns:mc="http://schemas.openxmlformats.org/markup-compatibility/2006">
-    <mc:Choice xmlns:p14="http://schemas.microsoft.com/office/powerpoint/2010/main" Requires="p14">
+  <mc:AlternateContent xmlns:mc="http://schemas.openxmlformats.org/markup-compatibility/2006" xmlns:p14="http://schemas.microsoft.com/office/powerpoint/2010/main">
+    <mc:Choice Requires="p14">
       <p:transition p14:dur="0"/>
     </mc:Choice>
-    <mc:Fallback>
+    <mc:Fallback xmlns="">
       <p:transition xmlns:p14="http://schemas.microsoft.com/office/powerpoint/2010/main"/>
     </mc:Fallback>
   </mc:AlternateContent>
@@ -8278,11 +8471,11 @@
   <p:clrMapOvr>
     <a:masterClrMapping/>
   </p:clrMapOvr>
-  <mc:AlternateContent xmlns:mc="http://schemas.openxmlformats.org/markup-compatibility/2006">
-    <mc:Choice xmlns:p14="http://schemas.microsoft.com/office/powerpoint/2010/main" Requires="p14">
+  <mc:AlternateContent xmlns:mc="http://schemas.openxmlformats.org/markup-compatibility/2006" xmlns:p14="http://schemas.microsoft.com/office/powerpoint/2010/main">
+    <mc:Choice Requires="p14">
       <p:transition p14:dur="0"/>
     </mc:Choice>
-    <mc:Fallback>
+    <mc:Fallback xmlns="">
       <p:transition xmlns:p14="http://schemas.microsoft.com/office/powerpoint/2010/main"/>
     </mc:Fallback>
   </mc:AlternateContent>
@@ -8421,11 +8614,11 @@
   <p:clrMapOvr>
     <a:masterClrMapping/>
   </p:clrMapOvr>
-  <mc:AlternateContent xmlns:mc="http://schemas.openxmlformats.org/markup-compatibility/2006">
-    <mc:Choice xmlns:p14="http://schemas.microsoft.com/office/powerpoint/2010/main" Requires="p14">
+  <mc:AlternateContent xmlns:mc="http://schemas.openxmlformats.org/markup-compatibility/2006" xmlns:p14="http://schemas.microsoft.com/office/powerpoint/2010/main">
+    <mc:Choice Requires="p14">
       <p:transition p14:dur="0"/>
     </mc:Choice>
-    <mc:Fallback>
+    <mc:Fallback xmlns="">
       <p:transition xmlns:p14="http://schemas.microsoft.com/office/powerpoint/2010/main"/>
     </mc:Fallback>
   </mc:AlternateContent>
@@ -8752,11 +8945,11 @@
   <p:clrMapOvr>
     <a:masterClrMapping/>
   </p:clrMapOvr>
-  <mc:AlternateContent xmlns:mc="http://schemas.openxmlformats.org/markup-compatibility/2006">
-    <mc:Choice xmlns:p14="http://schemas.microsoft.com/office/powerpoint/2010/main" Requires="p14">
+  <mc:AlternateContent xmlns:mc="http://schemas.openxmlformats.org/markup-compatibility/2006" xmlns:p14="http://schemas.microsoft.com/office/powerpoint/2010/main">
+    <mc:Choice Requires="p14">
       <p:transition p14:dur="0"/>
     </mc:Choice>
-    <mc:Fallback>
+    <mc:Fallback xmlns="">
       <p:transition xmlns:p14="http://schemas.microsoft.com/office/powerpoint/2010/main"/>
     </mc:Fallback>
   </mc:AlternateContent>
@@ -9099,11 +9292,11 @@
   <p:clrMapOvr>
     <a:masterClrMapping/>
   </p:clrMapOvr>
-  <mc:AlternateContent xmlns:mc="http://schemas.openxmlformats.org/markup-compatibility/2006">
-    <mc:Choice xmlns:p14="http://schemas.microsoft.com/office/powerpoint/2010/main" Requires="p14">
+  <mc:AlternateContent xmlns:mc="http://schemas.openxmlformats.org/markup-compatibility/2006" xmlns:p14="http://schemas.microsoft.com/office/powerpoint/2010/main">
+    <mc:Choice Requires="p14">
       <p:transition p14:dur="0"/>
     </mc:Choice>
-    <mc:Fallback>
+    <mc:Fallback xmlns="">
       <p:transition xmlns:p14="http://schemas.microsoft.com/office/powerpoint/2010/main"/>
     </mc:Fallback>
   </mc:AlternateContent>
